--- a/9.网络编程.pptx
+++ b/9.网络编程.pptx
@@ -5,7 +5,7 @@
     <p:sldMasterId id="2147483672" r:id="rId1"/>
   </p:sldMasterIdLst>
   <p:notesMasterIdLst>
-    <p:notesMasterId r:id="rId17"/>
+    <p:notesMasterId r:id="rId19"/>
   </p:notesMasterIdLst>
   <p:sldIdLst>
     <p:sldId id="257" r:id="rId2"/>
@@ -23,6 +23,8 @@
     <p:sldId id="269" r:id="rId14"/>
     <p:sldId id="270" r:id="rId15"/>
     <p:sldId id="271" r:id="rId16"/>
+    <p:sldId id="272" r:id="rId17"/>
+    <p:sldId id="273" r:id="rId18"/>
   </p:sldIdLst>
   <p:sldSz cx="9144000" cy="6858000" type="screen4x3"/>
   <p:notesSz cx="6858000" cy="9144000"/>
@@ -121,6 +123,11 @@
       </a:defRPr>
     </a:lvl9pPr>
   </p:defaultTextStyle>
+  <p:extLst>
+    <p:ext uri="{EFAFB233-063F-42B5-8137-9DF3F51BA10A}">
+      <p15:sldGuideLst xmlns:p15="http://schemas.microsoft.com/office/powerpoint/2012/main"/>
+    </p:ext>
+  </p:extLst>
 </p:presentation>
 </file>
 
@@ -2535,6 +2542,13 @@
         </dgm:presLayoutVars>
       </dgm:prSet>
       <dgm:spPr/>
+      <dgm:t>
+        <a:bodyPr/>
+        <a:lstStyle/>
+        <a:p>
+          <a:endParaRPr lang="zh-CN" altLang="en-US"/>
+        </a:p>
+      </dgm:t>
     </dgm:pt>
     <dgm:pt modelId="{64733C31-7F7E-42B7-9C08-792DB714768F}" type="pres">
       <dgm:prSet presAssocID="{E0EFDBAD-6C62-4F82-8E69-1B201303D3BE}" presName="parentLin" presStyleCnt="0"/>
@@ -2543,6 +2557,13 @@
     <dgm:pt modelId="{3E3806BF-AE54-4478-96C7-783448F08BB0}" type="pres">
       <dgm:prSet presAssocID="{E0EFDBAD-6C62-4F82-8E69-1B201303D3BE}" presName="parentLeftMargin" presStyleLbl="node1" presStyleIdx="0" presStyleCnt="3"/>
       <dgm:spPr/>
+      <dgm:t>
+        <a:bodyPr/>
+        <a:lstStyle/>
+        <a:p>
+          <a:endParaRPr lang="zh-CN" altLang="en-US"/>
+        </a:p>
+      </dgm:t>
     </dgm:pt>
     <dgm:pt modelId="{4F4D6EEF-DED9-4B8B-BD72-C5EA8C2287C0}" type="pres">
       <dgm:prSet presAssocID="{E0EFDBAD-6C62-4F82-8E69-1B201303D3BE}" presName="parentText" presStyleLbl="node1" presStyleIdx="0" presStyleCnt="3">
@@ -2583,6 +2604,13 @@
     <dgm:pt modelId="{7A1ED143-B537-4420-B6AF-95B5A405EDA9}" type="pres">
       <dgm:prSet presAssocID="{FB98534B-97D2-4731-9BF1-DF50B579C346}" presName="parentLeftMargin" presStyleLbl="node1" presStyleIdx="0" presStyleCnt="3"/>
       <dgm:spPr/>
+      <dgm:t>
+        <a:bodyPr/>
+        <a:lstStyle/>
+        <a:p>
+          <a:endParaRPr lang="zh-CN" altLang="en-US"/>
+        </a:p>
+      </dgm:t>
     </dgm:pt>
     <dgm:pt modelId="{CE66FD42-4874-44BC-A70D-F1DC44C142B7}" type="pres">
       <dgm:prSet presAssocID="{FB98534B-97D2-4731-9BF1-DF50B579C346}" presName="parentText" presStyleLbl="node1" presStyleIdx="1" presStyleCnt="3">
@@ -2592,6 +2620,13 @@
         </dgm:presLayoutVars>
       </dgm:prSet>
       <dgm:spPr/>
+      <dgm:t>
+        <a:bodyPr/>
+        <a:lstStyle/>
+        <a:p>
+          <a:endParaRPr lang="zh-CN" altLang="en-US"/>
+        </a:p>
+      </dgm:t>
     </dgm:pt>
     <dgm:pt modelId="{E923CF18-53BB-402C-85FB-E48C9F3EF852}" type="pres">
       <dgm:prSet presAssocID="{FB98534B-97D2-4731-9BF1-DF50B579C346}" presName="negativeSpace" presStyleCnt="0"/>
@@ -2616,6 +2651,13 @@
     <dgm:pt modelId="{0459C837-15FE-4474-B94D-BA03483C5EE5}" type="pres">
       <dgm:prSet presAssocID="{66F20542-BA46-432E-84A5-D0FD1F56C58D}" presName="parentLeftMargin" presStyleLbl="node1" presStyleIdx="1" presStyleCnt="3"/>
       <dgm:spPr/>
+      <dgm:t>
+        <a:bodyPr/>
+        <a:lstStyle/>
+        <a:p>
+          <a:endParaRPr lang="zh-CN" altLang="en-US"/>
+        </a:p>
+      </dgm:t>
     </dgm:pt>
     <dgm:pt modelId="{DFA81B3A-998D-4751-81F5-FAFAFFCC8664}" type="pres">
       <dgm:prSet presAssocID="{66F20542-BA46-432E-84A5-D0FD1F56C58D}" presName="parentText" presStyleLbl="node1" presStyleIdx="2" presStyleCnt="3">
@@ -2625,6 +2667,13 @@
         </dgm:presLayoutVars>
       </dgm:prSet>
       <dgm:spPr/>
+      <dgm:t>
+        <a:bodyPr/>
+        <a:lstStyle/>
+        <a:p>
+          <a:endParaRPr lang="zh-CN" altLang="en-US"/>
+        </a:p>
+      </dgm:t>
     </dgm:pt>
     <dgm:pt modelId="{C0262727-0BE1-4151-B657-05C69B5D7143}" type="pres">
       <dgm:prSet presAssocID="{66F20542-BA46-432E-84A5-D0FD1F56C58D}" presName="negativeSpace" presStyleCnt="0"/>
@@ -2640,15 +2689,15 @@
     </dgm:pt>
   </dgm:ptLst>
   <dgm:cxnLst>
-    <dgm:cxn modelId="{4F2B38FD-C353-4886-9BF7-A39452505012}" type="presOf" srcId="{E0EFDBAD-6C62-4F82-8E69-1B201303D3BE}" destId="{3E3806BF-AE54-4478-96C7-783448F08BB0}" srcOrd="0" destOrd="0" presId="urn:microsoft.com/office/officeart/2005/8/layout/list1"/>
+    <dgm:cxn modelId="{F37E0E89-0448-4743-951D-E9230BFDB147}" type="presOf" srcId="{859D9761-EFB2-49CA-A794-FA5F1AF214D0}" destId="{C8885776-FFFE-4B17-ADF5-283656CEF2BA}" srcOrd="0" destOrd="0" presId="urn:microsoft.com/office/officeart/2005/8/layout/list1"/>
     <dgm:cxn modelId="{6CBBDF3D-241F-41DD-96D7-EE9BA873695E}" type="presOf" srcId="{FB98534B-97D2-4731-9BF1-DF50B579C346}" destId="{CE66FD42-4874-44BC-A70D-F1DC44C142B7}" srcOrd="1" destOrd="0" presId="urn:microsoft.com/office/officeart/2005/8/layout/list1"/>
+    <dgm:cxn modelId="{7FDE12DF-4369-4CF7-A410-1FABD183A5EF}" srcId="{859D9761-EFB2-49CA-A794-FA5F1AF214D0}" destId="{FB98534B-97D2-4731-9BF1-DF50B579C346}" srcOrd="1" destOrd="0" parTransId="{62E1E634-6F7A-4D99-A852-72E2B892B525}" sibTransId="{ACCB8EFE-0B31-431D-B7E3-32630EF5413F}"/>
+    <dgm:cxn modelId="{4701D818-C994-404A-A92D-2CDCBD1A3334}" type="presOf" srcId="{66F20542-BA46-432E-84A5-D0FD1F56C58D}" destId="{0459C837-15FE-4474-B94D-BA03483C5EE5}" srcOrd="0" destOrd="0" presId="urn:microsoft.com/office/officeart/2005/8/layout/list1"/>
     <dgm:cxn modelId="{0B00D970-0919-4AB0-B989-98573E048EFE}" srcId="{859D9761-EFB2-49CA-A794-FA5F1AF214D0}" destId="{E0EFDBAD-6C62-4F82-8E69-1B201303D3BE}" srcOrd="0" destOrd="0" parTransId="{32E0AE89-176F-4CAE-86F8-F3B93F01E288}" sibTransId="{7C0F146A-F182-462C-B07E-6B08C5175EA5}"/>
-    <dgm:cxn modelId="{4701D818-C994-404A-A92D-2CDCBD1A3334}" type="presOf" srcId="{66F20542-BA46-432E-84A5-D0FD1F56C58D}" destId="{0459C837-15FE-4474-B94D-BA03483C5EE5}" srcOrd="0" destOrd="0" presId="urn:microsoft.com/office/officeart/2005/8/layout/list1"/>
+    <dgm:cxn modelId="{20A83460-5A65-4D07-95F0-F8761A78325C}" type="presOf" srcId="{FB98534B-97D2-4731-9BF1-DF50B579C346}" destId="{7A1ED143-B537-4420-B6AF-95B5A405EDA9}" srcOrd="0" destOrd="0" presId="urn:microsoft.com/office/officeart/2005/8/layout/list1"/>
     <dgm:cxn modelId="{59B8E3C4-193C-4C77-92EF-17D6530D5D78}" srcId="{859D9761-EFB2-49CA-A794-FA5F1AF214D0}" destId="{66F20542-BA46-432E-84A5-D0FD1F56C58D}" srcOrd="2" destOrd="0" parTransId="{0D2DB272-85C8-4C3E-931D-6EBE5F1D616F}" sibTransId="{1A4E2715-2A1A-4C62-B05C-1BFD4B792AD8}"/>
     <dgm:cxn modelId="{30AC757F-5128-4275-99E9-9834F090DB8E}" type="presOf" srcId="{E0EFDBAD-6C62-4F82-8E69-1B201303D3BE}" destId="{4F4D6EEF-DED9-4B8B-BD72-C5EA8C2287C0}" srcOrd="1" destOrd="0" presId="urn:microsoft.com/office/officeart/2005/8/layout/list1"/>
-    <dgm:cxn modelId="{20A83460-5A65-4D07-95F0-F8761A78325C}" type="presOf" srcId="{FB98534B-97D2-4731-9BF1-DF50B579C346}" destId="{7A1ED143-B537-4420-B6AF-95B5A405EDA9}" srcOrd="0" destOrd="0" presId="urn:microsoft.com/office/officeart/2005/8/layout/list1"/>
-    <dgm:cxn modelId="{F37E0E89-0448-4743-951D-E9230BFDB147}" type="presOf" srcId="{859D9761-EFB2-49CA-A794-FA5F1AF214D0}" destId="{C8885776-FFFE-4B17-ADF5-283656CEF2BA}" srcOrd="0" destOrd="0" presId="urn:microsoft.com/office/officeart/2005/8/layout/list1"/>
-    <dgm:cxn modelId="{7FDE12DF-4369-4CF7-A410-1FABD183A5EF}" srcId="{859D9761-EFB2-49CA-A794-FA5F1AF214D0}" destId="{FB98534B-97D2-4731-9BF1-DF50B579C346}" srcOrd="1" destOrd="0" parTransId="{62E1E634-6F7A-4D99-A852-72E2B892B525}" sibTransId="{ACCB8EFE-0B31-431D-B7E3-32630EF5413F}"/>
+    <dgm:cxn modelId="{4F2B38FD-C353-4886-9BF7-A39452505012}" type="presOf" srcId="{E0EFDBAD-6C62-4F82-8E69-1B201303D3BE}" destId="{3E3806BF-AE54-4478-96C7-783448F08BB0}" srcOrd="0" destOrd="0" presId="urn:microsoft.com/office/officeart/2005/8/layout/list1"/>
     <dgm:cxn modelId="{61B85622-1242-4948-AC2D-5CDA57985E9E}" type="presOf" srcId="{66F20542-BA46-432E-84A5-D0FD1F56C58D}" destId="{DFA81B3A-998D-4751-81F5-FAFAFFCC8664}" srcOrd="1" destOrd="0" presId="urn:microsoft.com/office/officeart/2005/8/layout/list1"/>
     <dgm:cxn modelId="{256EA9D0-9D5A-47B0-B1AF-0D7ACC414251}" type="presParOf" srcId="{C8885776-FFFE-4B17-ADF5-283656CEF2BA}" destId="{64733C31-7F7E-42B7-9C08-792DB714768F}" srcOrd="0" destOrd="0" presId="urn:microsoft.com/office/officeart/2005/8/layout/list1"/>
     <dgm:cxn modelId="{02F5FF1D-C77E-4ECD-A0A2-87099F136E71}" type="presParOf" srcId="{64733C31-7F7E-42B7-9C08-792DB714768F}" destId="{3E3806BF-AE54-4478-96C7-783448F08BB0}" srcOrd="0" destOrd="0" presId="urn:microsoft.com/office/officeart/2005/8/layout/list1"/>
@@ -2848,6 +2897,13 @@
         </dgm:presLayoutVars>
       </dgm:prSet>
       <dgm:spPr/>
+      <dgm:t>
+        <a:bodyPr/>
+        <a:lstStyle/>
+        <a:p>
+          <a:endParaRPr lang="zh-CN" altLang="en-US"/>
+        </a:p>
+      </dgm:t>
     </dgm:pt>
     <dgm:pt modelId="{64733C31-7F7E-42B7-9C08-792DB714768F}" type="pres">
       <dgm:prSet presAssocID="{E0EFDBAD-6C62-4F82-8E69-1B201303D3BE}" presName="parentLin" presStyleCnt="0"/>
@@ -2856,6 +2912,13 @@
     <dgm:pt modelId="{3E3806BF-AE54-4478-96C7-783448F08BB0}" type="pres">
       <dgm:prSet presAssocID="{E0EFDBAD-6C62-4F82-8E69-1B201303D3BE}" presName="parentLeftMargin" presStyleLbl="node1" presStyleIdx="0" presStyleCnt="3"/>
       <dgm:spPr/>
+      <dgm:t>
+        <a:bodyPr/>
+        <a:lstStyle/>
+        <a:p>
+          <a:endParaRPr lang="zh-CN" altLang="en-US"/>
+        </a:p>
+      </dgm:t>
     </dgm:pt>
     <dgm:pt modelId="{4F4D6EEF-DED9-4B8B-BD72-C5EA8C2287C0}" type="pres">
       <dgm:prSet presAssocID="{E0EFDBAD-6C62-4F82-8E69-1B201303D3BE}" presName="parentText" presStyleLbl="node1" presStyleIdx="0" presStyleCnt="3">
@@ -2896,6 +2959,13 @@
     <dgm:pt modelId="{7A1ED143-B537-4420-B6AF-95B5A405EDA9}" type="pres">
       <dgm:prSet presAssocID="{FB98534B-97D2-4731-9BF1-DF50B579C346}" presName="parentLeftMargin" presStyleLbl="node1" presStyleIdx="0" presStyleCnt="3"/>
       <dgm:spPr/>
+      <dgm:t>
+        <a:bodyPr/>
+        <a:lstStyle/>
+        <a:p>
+          <a:endParaRPr lang="zh-CN" altLang="en-US"/>
+        </a:p>
+      </dgm:t>
     </dgm:pt>
     <dgm:pt modelId="{CE66FD42-4874-44BC-A70D-F1DC44C142B7}" type="pres">
       <dgm:prSet presAssocID="{FB98534B-97D2-4731-9BF1-DF50B579C346}" presName="parentText" presStyleLbl="node1" presStyleIdx="1" presStyleCnt="3">
@@ -2905,6 +2975,13 @@
         </dgm:presLayoutVars>
       </dgm:prSet>
       <dgm:spPr/>
+      <dgm:t>
+        <a:bodyPr/>
+        <a:lstStyle/>
+        <a:p>
+          <a:endParaRPr lang="zh-CN" altLang="en-US"/>
+        </a:p>
+      </dgm:t>
     </dgm:pt>
     <dgm:pt modelId="{E923CF18-53BB-402C-85FB-E48C9F3EF852}" type="pres">
       <dgm:prSet presAssocID="{FB98534B-97D2-4731-9BF1-DF50B579C346}" presName="negativeSpace" presStyleCnt="0"/>
@@ -2929,6 +3006,13 @@
     <dgm:pt modelId="{0459C837-15FE-4474-B94D-BA03483C5EE5}" type="pres">
       <dgm:prSet presAssocID="{66F20542-BA46-432E-84A5-D0FD1F56C58D}" presName="parentLeftMargin" presStyleLbl="node1" presStyleIdx="1" presStyleCnt="3"/>
       <dgm:spPr/>
+      <dgm:t>
+        <a:bodyPr/>
+        <a:lstStyle/>
+        <a:p>
+          <a:endParaRPr lang="zh-CN" altLang="en-US"/>
+        </a:p>
+      </dgm:t>
     </dgm:pt>
     <dgm:pt modelId="{DFA81B3A-998D-4751-81F5-FAFAFFCC8664}" type="pres">
       <dgm:prSet presAssocID="{66F20542-BA46-432E-84A5-D0FD1F56C58D}" presName="parentText" presStyleLbl="node1" presStyleIdx="2" presStyleCnt="3">
@@ -2938,6 +3022,13 @@
         </dgm:presLayoutVars>
       </dgm:prSet>
       <dgm:spPr/>
+      <dgm:t>
+        <a:bodyPr/>
+        <a:lstStyle/>
+        <a:p>
+          <a:endParaRPr lang="zh-CN" altLang="en-US"/>
+        </a:p>
+      </dgm:t>
     </dgm:pt>
     <dgm:pt modelId="{C0262727-0BE1-4151-B657-05C69B5D7143}" type="pres">
       <dgm:prSet presAssocID="{66F20542-BA46-432E-84A5-D0FD1F56C58D}" presName="negativeSpace" presStyleCnt="0"/>
@@ -3161,6 +3252,13 @@
         </dgm:presLayoutVars>
       </dgm:prSet>
       <dgm:spPr/>
+      <dgm:t>
+        <a:bodyPr/>
+        <a:lstStyle/>
+        <a:p>
+          <a:endParaRPr lang="zh-CN" altLang="en-US"/>
+        </a:p>
+      </dgm:t>
     </dgm:pt>
     <dgm:pt modelId="{64733C31-7F7E-42B7-9C08-792DB714768F}" type="pres">
       <dgm:prSet presAssocID="{E0EFDBAD-6C62-4F82-8E69-1B201303D3BE}" presName="parentLin" presStyleCnt="0"/>
@@ -3169,6 +3267,13 @@
     <dgm:pt modelId="{3E3806BF-AE54-4478-96C7-783448F08BB0}" type="pres">
       <dgm:prSet presAssocID="{E0EFDBAD-6C62-4F82-8E69-1B201303D3BE}" presName="parentLeftMargin" presStyleLbl="node1" presStyleIdx="0" presStyleCnt="3"/>
       <dgm:spPr/>
+      <dgm:t>
+        <a:bodyPr/>
+        <a:lstStyle/>
+        <a:p>
+          <a:endParaRPr lang="zh-CN" altLang="en-US"/>
+        </a:p>
+      </dgm:t>
     </dgm:pt>
     <dgm:pt modelId="{4F4D6EEF-DED9-4B8B-BD72-C5EA8C2287C0}" type="pres">
       <dgm:prSet presAssocID="{E0EFDBAD-6C62-4F82-8E69-1B201303D3BE}" presName="parentText" presStyleLbl="node1" presStyleIdx="0" presStyleCnt="3">
@@ -3209,6 +3314,13 @@
     <dgm:pt modelId="{7A1ED143-B537-4420-B6AF-95B5A405EDA9}" type="pres">
       <dgm:prSet presAssocID="{FB98534B-97D2-4731-9BF1-DF50B579C346}" presName="parentLeftMargin" presStyleLbl="node1" presStyleIdx="0" presStyleCnt="3"/>
       <dgm:spPr/>
+      <dgm:t>
+        <a:bodyPr/>
+        <a:lstStyle/>
+        <a:p>
+          <a:endParaRPr lang="zh-CN" altLang="en-US"/>
+        </a:p>
+      </dgm:t>
     </dgm:pt>
     <dgm:pt modelId="{CE66FD42-4874-44BC-A70D-F1DC44C142B7}" type="pres">
       <dgm:prSet presAssocID="{FB98534B-97D2-4731-9BF1-DF50B579C346}" presName="parentText" presStyleLbl="node1" presStyleIdx="1" presStyleCnt="3">
@@ -3218,6 +3330,13 @@
         </dgm:presLayoutVars>
       </dgm:prSet>
       <dgm:spPr/>
+      <dgm:t>
+        <a:bodyPr/>
+        <a:lstStyle/>
+        <a:p>
+          <a:endParaRPr lang="zh-CN" altLang="en-US"/>
+        </a:p>
+      </dgm:t>
     </dgm:pt>
     <dgm:pt modelId="{E923CF18-53BB-402C-85FB-E48C9F3EF852}" type="pres">
       <dgm:prSet presAssocID="{FB98534B-97D2-4731-9BF1-DF50B579C346}" presName="negativeSpace" presStyleCnt="0"/>
@@ -3242,6 +3361,13 @@
     <dgm:pt modelId="{0459C837-15FE-4474-B94D-BA03483C5EE5}" type="pres">
       <dgm:prSet presAssocID="{66F20542-BA46-432E-84A5-D0FD1F56C58D}" presName="parentLeftMargin" presStyleLbl="node1" presStyleIdx="1" presStyleCnt="3"/>
       <dgm:spPr/>
+      <dgm:t>
+        <a:bodyPr/>
+        <a:lstStyle/>
+        <a:p>
+          <a:endParaRPr lang="zh-CN" altLang="en-US"/>
+        </a:p>
+      </dgm:t>
     </dgm:pt>
     <dgm:pt modelId="{DFA81B3A-998D-4751-81F5-FAFAFFCC8664}" type="pres">
       <dgm:prSet presAssocID="{66F20542-BA46-432E-84A5-D0FD1F56C58D}" presName="parentText" presStyleLbl="node1" presStyleIdx="2" presStyleCnt="3">
@@ -3251,6 +3377,13 @@
         </dgm:presLayoutVars>
       </dgm:prSet>
       <dgm:spPr/>
+      <dgm:t>
+        <a:bodyPr/>
+        <a:lstStyle/>
+        <a:p>
+          <a:endParaRPr lang="zh-CN" altLang="en-US"/>
+        </a:p>
+      </dgm:t>
     </dgm:pt>
     <dgm:pt modelId="{C0262727-0BE1-4151-B657-05C69B5D7143}" type="pres">
       <dgm:prSet presAssocID="{66F20542-BA46-432E-84A5-D0FD1F56C58D}" presName="negativeSpace" presStyleCnt="0"/>
@@ -3266,16 +3399,16 @@
     </dgm:pt>
   </dgm:ptLst>
   <dgm:cxnLst>
-    <dgm:cxn modelId="{424F5D32-745E-42F3-B7FF-06795C1DDD6F}" type="presOf" srcId="{66F20542-BA46-432E-84A5-D0FD1F56C58D}" destId="{DFA81B3A-998D-4751-81F5-FAFAFFCC8664}" srcOrd="1" destOrd="0" presId="urn:microsoft.com/office/officeart/2005/8/layout/list1"/>
+    <dgm:cxn modelId="{86E5FCBD-C097-489E-824F-75B1E4DC4963}" type="presOf" srcId="{FB98534B-97D2-4731-9BF1-DF50B579C346}" destId="{7A1ED143-B537-4420-B6AF-95B5A405EDA9}" srcOrd="0" destOrd="0" presId="urn:microsoft.com/office/officeart/2005/8/layout/list1"/>
+    <dgm:cxn modelId="{78A4209E-499A-488D-9285-2772FAEC3553}" type="presOf" srcId="{E0EFDBAD-6C62-4F82-8E69-1B201303D3BE}" destId="{3E3806BF-AE54-4478-96C7-783448F08BB0}" srcOrd="0" destOrd="0" presId="urn:microsoft.com/office/officeart/2005/8/layout/list1"/>
+    <dgm:cxn modelId="{C9EE0E57-A922-4793-92D0-4EF7CFE6B49F}" type="presOf" srcId="{66F20542-BA46-432E-84A5-D0FD1F56C58D}" destId="{0459C837-15FE-4474-B94D-BA03483C5EE5}" srcOrd="0" destOrd="0" presId="urn:microsoft.com/office/officeart/2005/8/layout/list1"/>
+    <dgm:cxn modelId="{7FDE12DF-4369-4CF7-A410-1FABD183A5EF}" srcId="{859D9761-EFB2-49CA-A794-FA5F1AF214D0}" destId="{FB98534B-97D2-4731-9BF1-DF50B579C346}" srcOrd="1" destOrd="0" parTransId="{62E1E634-6F7A-4D99-A852-72E2B892B525}" sibTransId="{ACCB8EFE-0B31-431D-B7E3-32630EF5413F}"/>
+    <dgm:cxn modelId="{ADF413FA-DA5A-4235-8D51-44B84498562C}" type="presOf" srcId="{FB98534B-97D2-4731-9BF1-DF50B579C346}" destId="{CE66FD42-4874-44BC-A70D-F1DC44C142B7}" srcOrd="1" destOrd="0" presId="urn:microsoft.com/office/officeart/2005/8/layout/list1"/>
+    <dgm:cxn modelId="{0B00D970-0919-4AB0-B989-98573E048EFE}" srcId="{859D9761-EFB2-49CA-A794-FA5F1AF214D0}" destId="{E0EFDBAD-6C62-4F82-8E69-1B201303D3BE}" srcOrd="0" destOrd="0" parTransId="{32E0AE89-176F-4CAE-86F8-F3B93F01E288}" sibTransId="{7C0F146A-F182-462C-B07E-6B08C5175EA5}"/>
     <dgm:cxn modelId="{872067C0-DCA9-411B-BDB1-D9E0F483176F}" type="presOf" srcId="{859D9761-EFB2-49CA-A794-FA5F1AF214D0}" destId="{C8885776-FFFE-4B17-ADF5-283656CEF2BA}" srcOrd="0" destOrd="0" presId="urn:microsoft.com/office/officeart/2005/8/layout/list1"/>
     <dgm:cxn modelId="{59B8E3C4-193C-4C77-92EF-17D6530D5D78}" srcId="{859D9761-EFB2-49CA-A794-FA5F1AF214D0}" destId="{66F20542-BA46-432E-84A5-D0FD1F56C58D}" srcOrd="2" destOrd="0" parTransId="{0D2DB272-85C8-4C3E-931D-6EBE5F1D616F}" sibTransId="{1A4E2715-2A1A-4C62-B05C-1BFD4B792AD8}"/>
-    <dgm:cxn modelId="{C9EE0E57-A922-4793-92D0-4EF7CFE6B49F}" type="presOf" srcId="{66F20542-BA46-432E-84A5-D0FD1F56C58D}" destId="{0459C837-15FE-4474-B94D-BA03483C5EE5}" srcOrd="0" destOrd="0" presId="urn:microsoft.com/office/officeart/2005/8/layout/list1"/>
-    <dgm:cxn modelId="{7FDE12DF-4369-4CF7-A410-1FABD183A5EF}" srcId="{859D9761-EFB2-49CA-A794-FA5F1AF214D0}" destId="{FB98534B-97D2-4731-9BF1-DF50B579C346}" srcOrd="1" destOrd="0" parTransId="{62E1E634-6F7A-4D99-A852-72E2B892B525}" sibTransId="{ACCB8EFE-0B31-431D-B7E3-32630EF5413F}"/>
-    <dgm:cxn modelId="{78A4209E-499A-488D-9285-2772FAEC3553}" type="presOf" srcId="{E0EFDBAD-6C62-4F82-8E69-1B201303D3BE}" destId="{3E3806BF-AE54-4478-96C7-783448F08BB0}" srcOrd="0" destOrd="0" presId="urn:microsoft.com/office/officeart/2005/8/layout/list1"/>
-    <dgm:cxn modelId="{86E5FCBD-C097-489E-824F-75B1E4DC4963}" type="presOf" srcId="{FB98534B-97D2-4731-9BF1-DF50B579C346}" destId="{7A1ED143-B537-4420-B6AF-95B5A405EDA9}" srcOrd="0" destOrd="0" presId="urn:microsoft.com/office/officeart/2005/8/layout/list1"/>
-    <dgm:cxn modelId="{ADF413FA-DA5A-4235-8D51-44B84498562C}" type="presOf" srcId="{FB98534B-97D2-4731-9BF1-DF50B579C346}" destId="{CE66FD42-4874-44BC-A70D-F1DC44C142B7}" srcOrd="1" destOrd="0" presId="urn:microsoft.com/office/officeart/2005/8/layout/list1"/>
+    <dgm:cxn modelId="{424F5D32-745E-42F3-B7FF-06795C1DDD6F}" type="presOf" srcId="{66F20542-BA46-432E-84A5-D0FD1F56C58D}" destId="{DFA81B3A-998D-4751-81F5-FAFAFFCC8664}" srcOrd="1" destOrd="0" presId="urn:microsoft.com/office/officeart/2005/8/layout/list1"/>
     <dgm:cxn modelId="{904CF98C-A692-45D6-8267-865B40BA5C1F}" type="presOf" srcId="{E0EFDBAD-6C62-4F82-8E69-1B201303D3BE}" destId="{4F4D6EEF-DED9-4B8B-BD72-C5EA8C2287C0}" srcOrd="1" destOrd="0" presId="urn:microsoft.com/office/officeart/2005/8/layout/list1"/>
-    <dgm:cxn modelId="{0B00D970-0919-4AB0-B989-98573E048EFE}" srcId="{859D9761-EFB2-49CA-A794-FA5F1AF214D0}" destId="{E0EFDBAD-6C62-4F82-8E69-1B201303D3BE}" srcOrd="0" destOrd="0" parTransId="{32E0AE89-176F-4CAE-86F8-F3B93F01E288}" sibTransId="{7C0F146A-F182-462C-B07E-6B08C5175EA5}"/>
     <dgm:cxn modelId="{5F54B554-04B8-476B-BA8D-7C47872D8DE4}" type="presParOf" srcId="{C8885776-FFFE-4B17-ADF5-283656CEF2BA}" destId="{64733C31-7F7E-42B7-9C08-792DB714768F}" srcOrd="0" destOrd="0" presId="urn:microsoft.com/office/officeart/2005/8/layout/list1"/>
     <dgm:cxn modelId="{27F0FEC3-E275-460F-AF80-BCC849C286FD}" type="presParOf" srcId="{64733C31-7F7E-42B7-9C08-792DB714768F}" destId="{3E3806BF-AE54-4478-96C7-783448F08BB0}" srcOrd="0" destOrd="0" presId="urn:microsoft.com/office/officeart/2005/8/layout/list1"/>
     <dgm:cxn modelId="{F9E6DAD9-9610-46B7-A065-56065C914451}" type="presParOf" srcId="{64733C31-7F7E-42B7-9C08-792DB714768F}" destId="{4F4D6EEF-DED9-4B8B-BD72-C5EA8C2287C0}" srcOrd="1" destOrd="0" presId="urn:microsoft.com/office/officeart/2005/8/layout/list1"/>
@@ -8432,7 +8565,7 @@
           <a:p>
             <a:fld id="{B5AFB873-7AD3-4343-A9C2-26A15768C471}" type="datetimeFigureOut">
               <a:rPr lang="zh-CN" altLang="en-US" smtClean="0"/>
-              <a:t>2016/11/14</a:t>
+              <a:t>2016/11/21</a:t>
             </a:fld>
             <a:endParaRPr lang="zh-CN" altLang="en-US"/>
           </a:p>
@@ -9173,7 +9306,7 @@
           <a:p>
             <a:fld id="{E3B5D9BC-169C-446C-A9A5-74621C5B22E0}" type="datetimeFigureOut">
               <a:rPr lang="zh-CN" altLang="en-US" smtClean="0"/>
-              <a:t>2016/11/14</a:t>
+              <a:t>2016/11/21</a:t>
             </a:fld>
             <a:endParaRPr lang="zh-CN" altLang="en-US"/>
           </a:p>
@@ -9381,7 +9514,7 @@
           <a:p>
             <a:fld id="{E3B5D9BC-169C-446C-A9A5-74621C5B22E0}" type="datetimeFigureOut">
               <a:rPr lang="zh-CN" altLang="en-US" smtClean="0"/>
-              <a:t>2016/11/14</a:t>
+              <a:t>2016/11/21</a:t>
             </a:fld>
             <a:endParaRPr lang="zh-CN" altLang="en-US"/>
           </a:p>
@@ -9637,7 +9770,7 @@
           <a:p>
             <a:fld id="{E3B5D9BC-169C-446C-A9A5-74621C5B22E0}" type="datetimeFigureOut">
               <a:rPr lang="zh-CN" altLang="en-US" smtClean="0"/>
-              <a:t>2016/11/14</a:t>
+              <a:t>2016/11/21</a:t>
             </a:fld>
             <a:endParaRPr lang="zh-CN" altLang="en-US"/>
           </a:p>
@@ -9807,7 +9940,7 @@
           <a:p>
             <a:fld id="{E3B5D9BC-169C-446C-A9A5-74621C5B22E0}" type="datetimeFigureOut">
               <a:rPr lang="zh-CN" altLang="en-US" smtClean="0"/>
-              <a:t>2016/11/14</a:t>
+              <a:t>2016/11/21</a:t>
             </a:fld>
             <a:endParaRPr lang="zh-CN" altLang="en-US"/>
           </a:p>
@@ -10150,7 +10283,7 @@
           <a:p>
             <a:fld id="{E3B5D9BC-169C-446C-A9A5-74621C5B22E0}" type="datetimeFigureOut">
               <a:rPr lang="zh-CN" altLang="en-US" smtClean="0"/>
-              <a:t>2016/11/14</a:t>
+              <a:t>2016/11/21</a:t>
             </a:fld>
             <a:endParaRPr lang="zh-CN" altLang="en-US"/>
           </a:p>
@@ -10425,7 +10558,7 @@
           <a:p>
             <a:fld id="{E3B5D9BC-169C-446C-A9A5-74621C5B22E0}" type="datetimeFigureOut">
               <a:rPr lang="zh-CN" altLang="en-US" smtClean="0"/>
-              <a:t>2016/11/14</a:t>
+              <a:t>2016/11/21</a:t>
             </a:fld>
             <a:endParaRPr lang="zh-CN" altLang="en-US"/>
           </a:p>
@@ -10804,7 +10937,7 @@
           <a:p>
             <a:fld id="{E3B5D9BC-169C-446C-A9A5-74621C5B22E0}" type="datetimeFigureOut">
               <a:rPr lang="zh-CN" altLang="en-US" smtClean="0"/>
-              <a:t>2016/11/14</a:t>
+              <a:t>2016/11/21</a:t>
             </a:fld>
             <a:endParaRPr lang="zh-CN" altLang="en-US"/>
           </a:p>
@@ -10922,7 +11055,7 @@
           <a:p>
             <a:fld id="{E3B5D9BC-169C-446C-A9A5-74621C5B22E0}" type="datetimeFigureOut">
               <a:rPr lang="zh-CN" altLang="en-US" smtClean="0"/>
-              <a:t>2016/11/14</a:t>
+              <a:t>2016/11/21</a:t>
             </a:fld>
             <a:endParaRPr lang="zh-CN" altLang="en-US"/>
           </a:p>
@@ -11093,7 +11226,7 @@
           <a:p>
             <a:fld id="{E3B5D9BC-169C-446C-A9A5-74621C5B22E0}" type="datetimeFigureOut">
               <a:rPr lang="zh-CN" altLang="en-US" smtClean="0"/>
-              <a:t>2016/11/14</a:t>
+              <a:t>2016/11/21</a:t>
             </a:fld>
             <a:endParaRPr lang="zh-CN" altLang="en-US"/>
           </a:p>
@@ -11447,7 +11580,7 @@
           <a:p>
             <a:fld id="{E3B5D9BC-169C-446C-A9A5-74621C5B22E0}" type="datetimeFigureOut">
               <a:rPr lang="zh-CN" altLang="en-US" smtClean="0"/>
-              <a:t>2016/11/14</a:t>
+              <a:t>2016/11/21</a:t>
             </a:fld>
             <a:endParaRPr lang="zh-CN" altLang="en-US"/>
           </a:p>
@@ -11829,7 +11962,7 @@
           <a:p>
             <a:fld id="{E3B5D9BC-169C-446C-A9A5-74621C5B22E0}" type="datetimeFigureOut">
               <a:rPr lang="zh-CN" altLang="en-US" smtClean="0"/>
-              <a:t>2016/11/14</a:t>
+              <a:t>2016/11/21</a:t>
             </a:fld>
             <a:endParaRPr lang="zh-CN" altLang="en-US"/>
           </a:p>
@@ -12116,7 +12249,7 @@
           <a:p>
             <a:fld id="{E3B5D9BC-169C-446C-A9A5-74621C5B22E0}" type="datetimeFigureOut">
               <a:rPr lang="zh-CN" altLang="en-US" smtClean="0"/>
-              <a:t>2016/11/14</a:t>
+              <a:t>2016/11/21</a:t>
             </a:fld>
             <a:endParaRPr lang="zh-CN" altLang="en-US"/>
           </a:p>
@@ -14424,12 +14557,210 @@
             <p:ph idx="1"/>
           </p:nvPr>
         </p:nvSpPr>
-        <p:spPr/>
+        <p:spPr>
+          <a:xfrm>
+            <a:off x="822959" y="1845733"/>
+            <a:ext cx="7543801" cy="4312695"/>
+          </a:xfrm>
+        </p:spPr>
         <p:txBody>
-          <a:bodyPr/>
+          <a:bodyPr>
+            <a:normAutofit lnSpcReduction="10000"/>
+          </a:bodyPr>
           <a:lstStyle/>
           <a:p>
-            <a:endParaRPr lang="zh-CN" altLang="en-US"/>
+            <a:pPr>
+              <a:buFont typeface="Wingdings" panose="05000000000000000000" pitchFamily="2" charset="2"/>
+              <a:buChar char="l"/>
+            </a:pPr>
+            <a:r>
+              <a:rPr lang="zh-CN" altLang="en-US" dirty="0"/>
+              <a:t>获取到</a:t>
+            </a:r>
+            <a:r>
+              <a:rPr lang="en-US" altLang="zh-CN" dirty="0" err="1"/>
+              <a:t>HttpURLConnection</a:t>
+            </a:r>
+            <a:r>
+              <a:rPr lang="zh-CN" altLang="en-US" dirty="0"/>
+              <a:t>的实例</a:t>
+            </a:r>
+            <a:endParaRPr lang="en-US" altLang="zh-CN" dirty="0" smtClean="0"/>
+          </a:p>
+          <a:p>
+            <a:r>
+              <a:rPr lang="en-US" altLang="zh-CN" dirty="0" smtClean="0"/>
+              <a:t>URL </a:t>
+            </a:r>
+            <a:r>
+              <a:rPr lang="en-US" altLang="zh-CN" dirty="0"/>
+              <a:t>URL=new URL("http://www.baidu.com");</a:t>
+            </a:r>
+          </a:p>
+          <a:p>
+            <a:r>
+              <a:rPr lang="en-US" altLang="zh-CN" dirty="0" err="1"/>
+              <a:t>HttpURLConnection</a:t>
+            </a:r>
+            <a:r>
+              <a:rPr lang="en-US" altLang="zh-CN" dirty="0"/>
+              <a:t> </a:t>
+            </a:r>
+            <a:r>
+              <a:rPr lang="en-US" altLang="zh-CN" dirty="0" smtClean="0"/>
+              <a:t>      </a:t>
+            </a:r>
+          </a:p>
+          <a:p>
+            <a:r>
+              <a:rPr lang="en-US" altLang="zh-CN" dirty="0"/>
+              <a:t> </a:t>
+            </a:r>
+            <a:r>
+              <a:rPr lang="en-US" altLang="zh-CN" dirty="0" smtClean="0"/>
+              <a:t>           connection</a:t>
+            </a:r>
+            <a:r>
+              <a:rPr lang="en-US" altLang="zh-CN" dirty="0"/>
+              <a:t>=( </a:t>
+            </a:r>
+            <a:r>
+              <a:rPr lang="en-US" altLang="zh-CN" dirty="0" err="1"/>
+              <a:t>HttpURLConnection</a:t>
+            </a:r>
+            <a:r>
+              <a:rPr lang="en-US" altLang="zh-CN" dirty="0"/>
+              <a:t>)</a:t>
+            </a:r>
+            <a:r>
+              <a:rPr lang="en-US" altLang="zh-CN" dirty="0" err="1"/>
+              <a:t>url.openConnection</a:t>
+            </a:r>
+            <a:r>
+              <a:rPr lang="en-US" altLang="zh-CN" dirty="0" smtClean="0"/>
+              <a:t>();</a:t>
+            </a:r>
+            <a:endParaRPr lang="en-US" altLang="zh-CN" dirty="0"/>
+          </a:p>
+          <a:p>
+            <a:pPr>
+              <a:buFont typeface="Wingdings" panose="05000000000000000000" pitchFamily="2" charset="2"/>
+              <a:buChar char="l"/>
+            </a:pPr>
+            <a:r>
+              <a:rPr lang="en-US" altLang="zh-CN" dirty="0" err="1"/>
+              <a:t>HttpURLConnection</a:t>
+            </a:r>
+            <a:r>
+              <a:rPr lang="zh-CN" altLang="en-US" dirty="0"/>
+              <a:t>的实例之后</a:t>
+            </a:r>
+            <a:r>
+              <a:rPr lang="zh-CN" altLang="en-US" dirty="0" smtClean="0"/>
+              <a:t>，可以</a:t>
+            </a:r>
+            <a:r>
+              <a:rPr lang="zh-CN" altLang="en-US" dirty="0"/>
+              <a:t>设置一下</a:t>
+            </a:r>
+            <a:r>
+              <a:rPr lang="en-US" altLang="zh-CN" dirty="0"/>
+              <a:t>HTTP</a:t>
+            </a:r>
+            <a:r>
+              <a:rPr lang="zh-CN" altLang="en-US" dirty="0"/>
+              <a:t>请求所使用的方法。常用的方法主要有两个</a:t>
+            </a:r>
+            <a:r>
+              <a:rPr lang="zh-CN" altLang="en-US" dirty="0" smtClean="0"/>
+              <a:t>，</a:t>
+            </a:r>
+            <a:r>
+              <a:rPr lang="en-US" altLang="zh-CN" dirty="0" smtClean="0"/>
+              <a:t>get</a:t>
+            </a:r>
+            <a:r>
+              <a:rPr lang="zh-CN" altLang="en-US" dirty="0"/>
+              <a:t>和</a:t>
+            </a:r>
+            <a:r>
+              <a:rPr lang="en-US" altLang="zh-CN" dirty="0"/>
+              <a:t>post</a:t>
+            </a:r>
+            <a:r>
+              <a:rPr lang="zh-CN" altLang="en-US" dirty="0" smtClean="0"/>
+              <a:t>。</a:t>
+            </a:r>
+            <a:endParaRPr lang="en-US" altLang="zh-CN" dirty="0" smtClean="0"/>
+          </a:p>
+          <a:p>
+            <a:pPr>
+              <a:buFont typeface="Wingdings" panose="05000000000000000000" pitchFamily="2" charset="2"/>
+              <a:buChar char="l"/>
+            </a:pPr>
+            <a:r>
+              <a:rPr lang="zh-CN" altLang="en-US" dirty="0"/>
+              <a:t>接下来就可以进行一些自由的定制了，比如设置连接超时，读取超时的毫秒数，以及服务器希望得到的一些消息头等</a:t>
+            </a:r>
+            <a:r>
+              <a:rPr lang="zh-CN" altLang="en-US" dirty="0" smtClean="0"/>
+              <a:t>。</a:t>
+            </a:r>
+            <a:endParaRPr lang="en-US" altLang="zh-CN" dirty="0" smtClean="0"/>
+          </a:p>
+          <a:p>
+            <a:pPr>
+              <a:buFont typeface="Wingdings" panose="05000000000000000000" pitchFamily="2" charset="2"/>
+              <a:buChar char="l"/>
+            </a:pPr>
+            <a:r>
+              <a:rPr lang="zh-CN" altLang="en-US" dirty="0" smtClean="0"/>
+              <a:t>调用</a:t>
+            </a:r>
+            <a:r>
+              <a:rPr lang="en-US" altLang="zh-CN" dirty="0" err="1"/>
+              <a:t>getInputStream</a:t>
+            </a:r>
+            <a:r>
+              <a:rPr lang="en-US" altLang="zh-CN" dirty="0"/>
+              <a:t>()</a:t>
+            </a:r>
+            <a:r>
+              <a:rPr lang="zh-CN" altLang="en-US" dirty="0"/>
+              <a:t>方法就可以获取到服务器返回的输入流了，剩下的任务就是对输入流进行</a:t>
+            </a:r>
+            <a:r>
+              <a:rPr lang="zh-CN" altLang="en-US" dirty="0" smtClean="0"/>
+              <a:t>读取。</a:t>
+            </a:r>
+            <a:endParaRPr lang="en-US" altLang="zh-CN" dirty="0" smtClean="0"/>
+          </a:p>
+          <a:p>
+            <a:pPr>
+              <a:buFont typeface="Wingdings" panose="05000000000000000000" pitchFamily="2" charset="2"/>
+              <a:buChar char="l"/>
+            </a:pPr>
+            <a:r>
+              <a:rPr lang="zh-CN" altLang="en-US" dirty="0"/>
+              <a:t>最后可以调用</a:t>
+            </a:r>
+            <a:r>
+              <a:rPr lang="en-US" altLang="zh-CN" dirty="0"/>
+              <a:t>disconnect()</a:t>
+            </a:r>
+            <a:r>
+              <a:rPr lang="zh-CN" altLang="en-US" dirty="0"/>
+              <a:t>方法将这个</a:t>
+            </a:r>
+            <a:r>
+              <a:rPr lang="en-US" altLang="zh-CN" dirty="0"/>
+              <a:t>HTTP</a:t>
+            </a:r>
+            <a:r>
+              <a:rPr lang="zh-CN" altLang="en-US" dirty="0"/>
+              <a:t>连接关闭掉</a:t>
+            </a:r>
+            <a:endParaRPr lang="zh-CN" altLang="en-US" dirty="0"/>
           </a:p>
         </p:txBody>
       </p:sp>
@@ -14483,14 +14814,18 @@
               <a:t>使用</a:t>
             </a:r>
             <a:r>
-              <a:rPr lang="en-US" altLang="zh-CN" dirty="0" smtClean="0"/>
-              <a:t>HTTP</a:t>
-            </a:r>
-            <a:r>
-              <a:rPr lang="zh-CN" altLang="en-US" smtClean="0"/>
-              <a:t>访问网络</a:t>
-            </a:r>
-            <a:endParaRPr lang="zh-CN" altLang="en-US"/>
+              <a:rPr lang="en-US" altLang="zh-CN" dirty="0" err="1" smtClean="0"/>
+              <a:t>HTTPClient</a:t>
+            </a:r>
+            <a:r>
+              <a:rPr lang="zh-CN" altLang="en-US" dirty="0" smtClean="0"/>
+              <a:t>访问</a:t>
+            </a:r>
+            <a:r>
+              <a:rPr lang="zh-CN" altLang="en-US" dirty="0" smtClean="0"/>
+              <a:t>网络</a:t>
+            </a:r>
+            <a:endParaRPr lang="zh-CN" altLang="en-US" dirty="0"/>
           </a:p>
         </p:txBody>
       </p:sp>
@@ -14509,7 +14844,211 @@
           <a:bodyPr/>
           <a:lstStyle/>
           <a:p>
-            <a:endParaRPr lang="zh-CN" altLang="en-US"/>
+            <a:pPr>
+              <a:buFont typeface="Wingdings" panose="05000000000000000000" pitchFamily="2" charset="2"/>
+              <a:buChar char="l"/>
+            </a:pPr>
+            <a:r>
+              <a:rPr lang="en-US" altLang="zh-CN" dirty="0" err="1"/>
+              <a:t>HttpClient</a:t>
+            </a:r>
+            <a:r>
+              <a:rPr lang="zh-CN" altLang="en-US" dirty="0"/>
+              <a:t>是</a:t>
+            </a:r>
+            <a:r>
+              <a:rPr lang="en-US" altLang="zh-CN" dirty="0"/>
+              <a:t>Apache</a:t>
+            </a:r>
+            <a:r>
+              <a:rPr lang="zh-CN" altLang="en-US" dirty="0"/>
+              <a:t>提供的</a:t>
+            </a:r>
+            <a:r>
+              <a:rPr lang="en-US" altLang="zh-CN" dirty="0"/>
+              <a:t>HTTP</a:t>
+            </a:r>
+            <a:r>
+              <a:rPr lang="zh-CN" altLang="en-US" dirty="0"/>
+              <a:t>网络访问接口，从一开始的时候就被引入到</a:t>
+            </a:r>
+            <a:r>
+              <a:rPr lang="en-US" altLang="zh-CN" dirty="0"/>
+              <a:t>android</a:t>
+            </a:r>
+            <a:r>
+              <a:rPr lang="zh-CN" altLang="en-US" dirty="0"/>
+              <a:t>的</a:t>
+            </a:r>
+            <a:r>
+              <a:rPr lang="en-US" altLang="zh-CN" dirty="0" err="1"/>
+              <a:t>api</a:t>
+            </a:r>
+            <a:r>
+              <a:rPr lang="zh-CN" altLang="en-US" dirty="0"/>
+              <a:t>中</a:t>
+            </a:r>
+            <a:r>
+              <a:rPr lang="zh-CN" altLang="en-US" dirty="0" smtClean="0"/>
+              <a:t>。</a:t>
+            </a:r>
+            <a:endParaRPr lang="en-US" altLang="zh-CN" dirty="0" smtClean="0"/>
+          </a:p>
+          <a:p>
+            <a:pPr>
+              <a:buFont typeface="Wingdings" panose="05000000000000000000" pitchFamily="2" charset="2"/>
+              <a:buChar char="l"/>
+            </a:pPr>
+            <a:r>
+              <a:rPr lang="en-US" altLang="zh-CN" dirty="0" err="1"/>
+              <a:t>HttpClient</a:t>
+            </a:r>
+            <a:r>
+              <a:rPr lang="zh-CN" altLang="en-US" dirty="0"/>
+              <a:t>是一个接口，因此无法创建它的实例，通常情况下都会创建一个</a:t>
+            </a:r>
+            <a:r>
+              <a:rPr lang="en-US" altLang="zh-CN" dirty="0" err="1"/>
+              <a:t>DefaultHttpClient</a:t>
+            </a:r>
+            <a:r>
+              <a:rPr lang="zh-CN" altLang="en-US" dirty="0"/>
+              <a:t>的</a:t>
+            </a:r>
+            <a:r>
+              <a:rPr lang="zh-CN" altLang="en-US" dirty="0" smtClean="0"/>
+              <a:t>实例</a:t>
+            </a:r>
+            <a:endParaRPr lang="en-US" altLang="zh-CN" dirty="0" smtClean="0"/>
+          </a:p>
+          <a:p>
+            <a:pPr marL="0" indent="0">
+              <a:buNone/>
+            </a:pPr>
+            <a:r>
+              <a:rPr lang="en-US" altLang="zh-CN" dirty="0" err="1" smtClean="0"/>
+              <a:t>HttpClient</a:t>
+            </a:r>
+            <a:r>
+              <a:rPr lang="en-US" altLang="zh-CN" dirty="0" smtClean="0"/>
+              <a:t> </a:t>
+            </a:r>
+            <a:r>
+              <a:rPr lang="en-US" altLang="zh-CN" dirty="0" err="1"/>
+              <a:t>httpClient</a:t>
+            </a:r>
+            <a:r>
+              <a:rPr lang="en-US" altLang="zh-CN" dirty="0"/>
+              <a:t>=new </a:t>
+            </a:r>
+            <a:r>
+              <a:rPr lang="en-US" altLang="zh-CN" dirty="0" err="1"/>
+              <a:t>DefaultHttpClient</a:t>
+            </a:r>
+            <a:r>
+              <a:rPr lang="en-US" altLang="zh-CN" dirty="0" smtClean="0"/>
+              <a:t>();</a:t>
+            </a:r>
+          </a:p>
+          <a:p>
+            <a:pPr>
+              <a:buFont typeface="Wingdings" panose="05000000000000000000" pitchFamily="2" charset="2"/>
+              <a:buChar char="l"/>
+            </a:pPr>
+            <a:r>
+              <a:rPr lang="zh-CN" altLang="en-US" dirty="0"/>
+              <a:t>接下来如果想要发起一条</a:t>
+            </a:r>
+            <a:r>
+              <a:rPr lang="en-US" altLang="zh-CN" dirty="0"/>
+              <a:t>GET</a:t>
+            </a:r>
+            <a:r>
+              <a:rPr lang="zh-CN" altLang="en-US" dirty="0"/>
+              <a:t>请求，就可以创建一个</a:t>
+            </a:r>
+            <a:r>
+              <a:rPr lang="en-US" altLang="zh-CN" dirty="0" err="1"/>
+              <a:t>HttpGet</a:t>
+            </a:r>
+            <a:r>
+              <a:rPr lang="zh-CN" altLang="en-US" dirty="0"/>
+              <a:t>对象，并传入目标的网络地址，然后调用</a:t>
+            </a:r>
+            <a:r>
+              <a:rPr lang="en-US" altLang="zh-CN" dirty="0" err="1"/>
+              <a:t>HttpClient</a:t>
+            </a:r>
+            <a:r>
+              <a:rPr lang="zh-CN" altLang="en-US" dirty="0"/>
+              <a:t>的</a:t>
+            </a:r>
+            <a:r>
+              <a:rPr lang="en-US" altLang="zh-CN" dirty="0"/>
+              <a:t>execute()</a:t>
+            </a:r>
+            <a:r>
+              <a:rPr lang="zh-CN" altLang="en-US" dirty="0"/>
+              <a:t>方法即</a:t>
+            </a:r>
+            <a:r>
+              <a:rPr lang="zh-CN" altLang="en-US" dirty="0" smtClean="0"/>
+              <a:t>可。</a:t>
+            </a:r>
+            <a:endParaRPr lang="en-US" altLang="zh-CN" dirty="0" smtClean="0"/>
+          </a:p>
+          <a:p>
+            <a:pPr marL="0" indent="0">
+              <a:buNone/>
+            </a:pPr>
+            <a:r>
+              <a:rPr lang="en-US" altLang="zh-CN" dirty="0" err="1"/>
+              <a:t>HttpGet</a:t>
+            </a:r>
+            <a:r>
+              <a:rPr lang="en-US" altLang="zh-CN" dirty="0"/>
+              <a:t> </a:t>
+            </a:r>
+            <a:r>
+              <a:rPr lang="en-US" altLang="zh-CN" dirty="0" err="1"/>
+              <a:t>httpGet</a:t>
+            </a:r>
+            <a:r>
+              <a:rPr lang="en-US" altLang="zh-CN" dirty="0"/>
+              <a:t>=new </a:t>
+            </a:r>
+            <a:r>
+              <a:rPr lang="en-US" altLang="zh-CN" dirty="0" err="1"/>
+              <a:t>HttpGet</a:t>
+            </a:r>
+            <a:r>
+              <a:rPr lang="en-US" altLang="zh-CN" dirty="0"/>
+              <a:t>("http://www.baidu.com");</a:t>
+            </a:r>
+            <a:r>
+              <a:rPr lang="en-US" altLang="zh-CN" dirty="0"/>
+              <a:t/>
+            </a:r>
+            <a:br>
+              <a:rPr lang="en-US" altLang="zh-CN" dirty="0"/>
+            </a:br>
+            <a:r>
+              <a:rPr lang="en-US" altLang="zh-CN" dirty="0" err="1"/>
+              <a:t>httpClient.execute</a:t>
+            </a:r>
+            <a:r>
+              <a:rPr lang="en-US" altLang="zh-CN" dirty="0"/>
+              <a:t>(</a:t>
+            </a:r>
+            <a:r>
+              <a:rPr lang="en-US" altLang="zh-CN" dirty="0" err="1"/>
+              <a:t>httpGet</a:t>
+            </a:r>
+            <a:r>
+              <a:rPr lang="en-US" altLang="zh-CN" dirty="0"/>
+              <a:t>);</a:t>
+            </a:r>
+            <a:endParaRPr lang="zh-CN" altLang="en-US" dirty="0"/>
           </a:p>
         </p:txBody>
       </p:sp>
@@ -14517,6 +15056,613 @@
     <p:extLst>
       <p:ext uri="{BB962C8B-B14F-4D97-AF65-F5344CB8AC3E}">
         <p14:creationId xmlns:p14="http://schemas.microsoft.com/office/powerpoint/2010/main" val="3149812404"/>
+      </p:ext>
+    </p:extLst>
+  </p:cSld>
+  <p:clrMapOvr>
+    <a:masterClrMapping/>
+  </p:clrMapOvr>
+</p:sld>
+</file>
+
+<file path=ppt/slides/slide16.xml><?xml version="1.0" encoding="utf-8"?>
+<p:sld xmlns:a="http://schemas.openxmlformats.org/drawingml/2006/main" xmlns:r="http://schemas.openxmlformats.org/officeDocument/2006/relationships" xmlns:p="http://schemas.openxmlformats.org/presentationml/2006/main">
+  <p:cSld>
+    <p:spTree>
+      <p:nvGrpSpPr>
+        <p:cNvPr id="1" name=""/>
+        <p:cNvGrpSpPr/>
+        <p:nvPr/>
+      </p:nvGrpSpPr>
+      <p:grpSpPr>
+        <a:xfrm>
+          <a:off x="0" y="0"/>
+          <a:ext cx="0" cy="0"/>
+          <a:chOff x="0" y="0"/>
+          <a:chExt cx="0" cy="0"/>
+        </a:xfrm>
+      </p:grpSpPr>
+      <p:sp>
+        <p:nvSpPr>
+          <p:cNvPr id="2" name="标题 1"/>
+          <p:cNvSpPr>
+            <a:spLocks noGrp="1"/>
+          </p:cNvSpPr>
+          <p:nvPr>
+            <p:ph type="title"/>
+          </p:nvPr>
+        </p:nvSpPr>
+        <p:spPr/>
+        <p:txBody>
+          <a:bodyPr/>
+          <a:lstStyle/>
+          <a:p>
+            <a:r>
+              <a:rPr lang="zh-CN" altLang="en-US" dirty="0"/>
+              <a:t>使用</a:t>
+            </a:r>
+            <a:r>
+              <a:rPr lang="en-US" altLang="zh-CN" dirty="0" err="1"/>
+              <a:t>HTTPClient</a:t>
+            </a:r>
+            <a:r>
+              <a:rPr lang="zh-CN" altLang="en-US" dirty="0"/>
+              <a:t>访问网络</a:t>
+            </a:r>
+          </a:p>
+        </p:txBody>
+      </p:sp>
+      <p:sp>
+        <p:nvSpPr>
+          <p:cNvPr id="3" name="内容占位符 2"/>
+          <p:cNvSpPr>
+            <a:spLocks noGrp="1"/>
+          </p:cNvSpPr>
+          <p:nvPr>
+            <p:ph idx="1"/>
+          </p:nvPr>
+        </p:nvSpPr>
+        <p:spPr>
+          <a:xfrm>
+            <a:off x="822959" y="1845734"/>
+            <a:ext cx="7543801" cy="4356762"/>
+          </a:xfrm>
+        </p:spPr>
+        <p:txBody>
+          <a:bodyPr>
+            <a:normAutofit fontScale="92500" lnSpcReduction="20000"/>
+          </a:bodyPr>
+          <a:lstStyle/>
+          <a:p>
+            <a:pPr>
+              <a:buFont typeface="Wingdings" panose="05000000000000000000" pitchFamily="2" charset="2"/>
+              <a:buChar char="l"/>
+            </a:pPr>
+            <a:r>
+              <a:rPr lang="zh-CN" altLang="en-US" dirty="0"/>
+              <a:t>如果是发起一条</a:t>
+            </a:r>
+            <a:r>
+              <a:rPr lang="en-US" altLang="zh-CN" dirty="0"/>
+              <a:t>POST</a:t>
+            </a:r>
+            <a:r>
+              <a:rPr lang="zh-CN" altLang="en-US" dirty="0"/>
+              <a:t>请求会比</a:t>
+            </a:r>
+            <a:r>
+              <a:rPr lang="en-US" altLang="zh-CN" dirty="0"/>
+              <a:t>GET</a:t>
+            </a:r>
+            <a:r>
+              <a:rPr lang="zh-CN" altLang="en-US" dirty="0"/>
+              <a:t>稍复杂一点，我们需要创建一个</a:t>
+            </a:r>
+            <a:r>
+              <a:rPr lang="en-US" altLang="zh-CN" dirty="0" err="1"/>
+              <a:t>HttpPost</a:t>
+            </a:r>
+            <a:r>
+              <a:rPr lang="zh-CN" altLang="en-US" dirty="0"/>
+              <a:t>对象，并传入目标网络</a:t>
+            </a:r>
+            <a:r>
+              <a:rPr lang="zh-CN" altLang="en-US" dirty="0" smtClean="0"/>
+              <a:t>地址。</a:t>
+            </a:r>
+            <a:endParaRPr lang="en-US" altLang="zh-CN" dirty="0" smtClean="0"/>
+          </a:p>
+          <a:p>
+            <a:pPr marL="0" indent="0">
+              <a:buNone/>
+            </a:pPr>
+            <a:r>
+              <a:rPr lang="en-US" altLang="zh-CN" dirty="0" err="1"/>
+              <a:t>HttpPost</a:t>
+            </a:r>
+            <a:r>
+              <a:rPr lang="en-US" altLang="zh-CN" dirty="0"/>
+              <a:t> </a:t>
+            </a:r>
+            <a:r>
+              <a:rPr lang="en-US" altLang="zh-CN" dirty="0" err="1"/>
+              <a:t>httpPost</a:t>
+            </a:r>
+            <a:r>
+              <a:rPr lang="en-US" altLang="zh-CN" dirty="0"/>
+              <a:t>=new </a:t>
+            </a:r>
+            <a:r>
+              <a:rPr lang="en-US" altLang="zh-CN" dirty="0" err="1"/>
+              <a:t>HttpPost</a:t>
+            </a:r>
+            <a:r>
+              <a:rPr lang="en-US" altLang="zh-CN" dirty="0"/>
+              <a:t>("http://www.baidu.com</a:t>
+            </a:r>
+            <a:r>
+              <a:rPr lang="en-US" altLang="zh-CN" dirty="0" smtClean="0"/>
+              <a:t>");</a:t>
+            </a:r>
+          </a:p>
+          <a:p>
+            <a:pPr>
+              <a:buFont typeface="Wingdings" panose="05000000000000000000" pitchFamily="2" charset="2"/>
+              <a:buChar char="l"/>
+            </a:pPr>
+            <a:r>
+              <a:rPr lang="zh-CN" altLang="en-US" dirty="0"/>
+              <a:t>通过一个</a:t>
+            </a:r>
+            <a:r>
+              <a:rPr lang="en-US" altLang="zh-CN" dirty="0" err="1"/>
+              <a:t>NameValuePair</a:t>
+            </a:r>
+            <a:r>
+              <a:rPr lang="zh-CN" altLang="en-US" dirty="0"/>
+              <a:t>集合来存放待提交的参数，并将这个参数集合传入到一个</a:t>
+            </a:r>
+            <a:r>
+              <a:rPr lang="en-US" altLang="zh-CN" dirty="0" err="1"/>
+              <a:t>UrlEncodedFormEntity</a:t>
+            </a:r>
+            <a:r>
+              <a:rPr lang="zh-CN" altLang="en-US" dirty="0" smtClean="0"/>
+              <a:t>中，</a:t>
+            </a:r>
+            <a:r>
+              <a:rPr lang="zh-CN" altLang="en-US" dirty="0"/>
+              <a:t>调用</a:t>
+            </a:r>
+            <a:r>
+              <a:rPr lang="en-US" altLang="zh-CN" dirty="0" err="1"/>
+              <a:t>HttpPost</a:t>
+            </a:r>
+            <a:r>
+              <a:rPr lang="zh-CN" altLang="en-US" dirty="0"/>
+              <a:t>的</a:t>
+            </a:r>
+            <a:r>
+              <a:rPr lang="en-US" altLang="zh-CN" dirty="0" err="1"/>
+              <a:t>setEntity</a:t>
+            </a:r>
+            <a:r>
+              <a:rPr lang="en-US" altLang="zh-CN" dirty="0"/>
+              <a:t>()</a:t>
+            </a:r>
+            <a:r>
+              <a:rPr lang="zh-CN" altLang="en-US" dirty="0"/>
+              <a:t>方法将构建好的</a:t>
+            </a:r>
+            <a:r>
+              <a:rPr lang="en-US" altLang="zh-CN" dirty="0" err="1"/>
+              <a:t>UrlEncodedFormEntity</a:t>
+            </a:r>
+            <a:r>
+              <a:rPr lang="zh-CN" altLang="en-US" dirty="0" smtClean="0"/>
+              <a:t>传入。</a:t>
+            </a:r>
+            <a:endParaRPr lang="en-US" altLang="zh-CN" dirty="0" smtClean="0"/>
+          </a:p>
+          <a:p>
+            <a:pPr marL="0" indent="0">
+              <a:lnSpc>
+                <a:spcPct val="110000"/>
+              </a:lnSpc>
+              <a:buNone/>
+            </a:pPr>
+            <a:r>
+              <a:rPr lang="en-US" altLang="zh-CN" sz="1900" dirty="0"/>
+              <a:t>List </a:t>
+            </a:r>
+            <a:r>
+              <a:rPr lang="en-US" altLang="zh-CN" sz="1900" dirty="0" err="1"/>
+              <a:t>params</a:t>
+            </a:r>
+            <a:r>
+              <a:rPr lang="en-US" altLang="zh-CN" sz="1900" dirty="0"/>
+              <a:t>=new </a:t>
+            </a:r>
+            <a:r>
+              <a:rPr lang="en-US" altLang="zh-CN" sz="1900" dirty="0" err="1"/>
+              <a:t>ArrayList</a:t>
+            </a:r>
+            <a:r>
+              <a:rPr lang="en-US" altLang="zh-CN" sz="1900" dirty="0"/>
+              <a:t>();</a:t>
+            </a:r>
+          </a:p>
+          <a:p>
+            <a:pPr marL="0" indent="0">
+              <a:lnSpc>
+                <a:spcPct val="110000"/>
+              </a:lnSpc>
+              <a:buNone/>
+            </a:pPr>
+            <a:r>
+              <a:rPr lang="en-US" altLang="zh-CN" sz="1900" dirty="0" err="1"/>
+              <a:t>params.add</a:t>
+            </a:r>
+            <a:r>
+              <a:rPr lang="en-US" altLang="zh-CN" sz="1900" dirty="0"/>
+              <a:t>(new </a:t>
+            </a:r>
+            <a:r>
+              <a:rPr lang="en-US" altLang="zh-CN" sz="1900" dirty="0" err="1"/>
+              <a:t>BasicNameValuePair</a:t>
+            </a:r>
+            <a:r>
+              <a:rPr lang="en-US" altLang="zh-CN" sz="1900" dirty="0"/>
+              <a:t>("</a:t>
+            </a:r>
+            <a:r>
+              <a:rPr lang="en-US" altLang="zh-CN" sz="1900" dirty="0" err="1"/>
+              <a:t>username","jack</a:t>
+            </a:r>
+            <a:r>
+              <a:rPr lang="en-US" altLang="zh-CN" sz="1900" dirty="0"/>
+              <a:t>"));</a:t>
+            </a:r>
+          </a:p>
+          <a:p>
+            <a:pPr marL="0" indent="0">
+              <a:lnSpc>
+                <a:spcPct val="110000"/>
+              </a:lnSpc>
+              <a:buNone/>
+            </a:pPr>
+            <a:r>
+              <a:rPr lang="en-US" altLang="zh-CN" sz="1900" dirty="0" err="1"/>
+              <a:t>params.add</a:t>
+            </a:r>
+            <a:r>
+              <a:rPr lang="en-US" altLang="zh-CN" sz="1900" dirty="0"/>
+              <a:t>(new </a:t>
+            </a:r>
+            <a:r>
+              <a:rPr lang="en-US" altLang="zh-CN" sz="1900" dirty="0" err="1"/>
+              <a:t>BasicNameValuePair</a:t>
+            </a:r>
+            <a:r>
+              <a:rPr lang="en-US" altLang="zh-CN" sz="1900" dirty="0"/>
+              <a:t>("password","123456"));</a:t>
+            </a:r>
+          </a:p>
+          <a:p>
+            <a:pPr marL="0" indent="0">
+              <a:lnSpc>
+                <a:spcPct val="110000"/>
+              </a:lnSpc>
+              <a:buNone/>
+            </a:pPr>
+            <a:r>
+              <a:rPr lang="en-US" altLang="zh-CN" sz="1900" dirty="0" err="1"/>
+              <a:t>UrlEncodedFormEntity</a:t>
+            </a:r>
+            <a:r>
+              <a:rPr lang="en-US" altLang="zh-CN" sz="1900" dirty="0"/>
+              <a:t> entity=new </a:t>
+            </a:r>
+            <a:r>
+              <a:rPr lang="en-US" altLang="zh-CN" sz="1900" dirty="0" err="1"/>
+              <a:t>UrlEncodedFormEntity</a:t>
+            </a:r>
+            <a:r>
+              <a:rPr lang="en-US" altLang="zh-CN" sz="1900" dirty="0"/>
+              <a:t>(params,"utf-8");</a:t>
+            </a:r>
+          </a:p>
+          <a:p>
+            <a:pPr marL="0" indent="0">
+              <a:lnSpc>
+                <a:spcPct val="110000"/>
+              </a:lnSpc>
+              <a:buNone/>
+            </a:pPr>
+            <a:r>
+              <a:rPr lang="en-US" altLang="zh-CN" sz="1900" dirty="0" err="1"/>
+              <a:t>httpPost.setEntity</a:t>
+            </a:r>
+            <a:r>
+              <a:rPr lang="en-US" altLang="zh-CN" sz="1900" dirty="0"/>
+              <a:t>(entity</a:t>
+            </a:r>
+            <a:r>
+              <a:rPr lang="en-US" altLang="zh-CN" sz="1900" dirty="0" smtClean="0"/>
+              <a:t>);</a:t>
+            </a:r>
+          </a:p>
+          <a:p>
+            <a:pPr marL="0" indent="0">
+              <a:lnSpc>
+                <a:spcPct val="110000"/>
+              </a:lnSpc>
+              <a:buNone/>
+            </a:pPr>
+            <a:r>
+              <a:rPr lang="en-US" altLang="zh-CN" sz="1900" dirty="0" err="1"/>
+              <a:t>httpClient.execute</a:t>
+            </a:r>
+            <a:r>
+              <a:rPr lang="en-US" altLang="zh-CN" sz="1900" dirty="0"/>
+              <a:t>(</a:t>
+            </a:r>
+            <a:r>
+              <a:rPr lang="en-US" altLang="zh-CN" sz="1900" dirty="0" err="1"/>
+              <a:t>httpPost</a:t>
+            </a:r>
+            <a:r>
+              <a:rPr lang="en-US" altLang="zh-CN" sz="1900" dirty="0"/>
+              <a:t>);</a:t>
+            </a:r>
+            <a:endParaRPr lang="en-US" altLang="zh-CN" sz="1900" dirty="0" smtClean="0"/>
+          </a:p>
+        </p:txBody>
+      </p:sp>
+    </p:spTree>
+    <p:extLst>
+      <p:ext uri="{BB962C8B-B14F-4D97-AF65-F5344CB8AC3E}">
+        <p14:creationId xmlns:p14="http://schemas.microsoft.com/office/powerpoint/2010/main" val="2693199196"/>
+      </p:ext>
+    </p:extLst>
+  </p:cSld>
+  <p:clrMapOvr>
+    <a:masterClrMapping/>
+  </p:clrMapOvr>
+</p:sld>
+</file>
+
+<file path=ppt/slides/slide17.xml><?xml version="1.0" encoding="utf-8"?>
+<p:sld xmlns:a="http://schemas.openxmlformats.org/drawingml/2006/main" xmlns:r="http://schemas.openxmlformats.org/officeDocument/2006/relationships" xmlns:p="http://schemas.openxmlformats.org/presentationml/2006/main">
+  <p:cSld>
+    <p:spTree>
+      <p:nvGrpSpPr>
+        <p:cNvPr id="1" name=""/>
+        <p:cNvGrpSpPr/>
+        <p:nvPr/>
+      </p:nvGrpSpPr>
+      <p:grpSpPr>
+        <a:xfrm>
+          <a:off x="0" y="0"/>
+          <a:ext cx="0" cy="0"/>
+          <a:chOff x="0" y="0"/>
+          <a:chExt cx="0" cy="0"/>
+        </a:xfrm>
+      </p:grpSpPr>
+      <p:sp>
+        <p:nvSpPr>
+          <p:cNvPr id="2" name="标题 1"/>
+          <p:cNvSpPr>
+            <a:spLocks noGrp="1"/>
+          </p:cNvSpPr>
+          <p:nvPr>
+            <p:ph type="title"/>
+          </p:nvPr>
+        </p:nvSpPr>
+        <p:spPr/>
+        <p:txBody>
+          <a:bodyPr/>
+          <a:lstStyle/>
+          <a:p>
+            <a:r>
+              <a:rPr lang="zh-CN" altLang="en-US" dirty="0"/>
+              <a:t>使用</a:t>
+            </a:r>
+            <a:r>
+              <a:rPr lang="en-US" altLang="zh-CN" dirty="0" err="1"/>
+              <a:t>HTTPClient</a:t>
+            </a:r>
+            <a:r>
+              <a:rPr lang="zh-CN" altLang="en-US" dirty="0"/>
+              <a:t>访问网络</a:t>
+            </a:r>
+          </a:p>
+        </p:txBody>
+      </p:sp>
+      <p:sp>
+        <p:nvSpPr>
+          <p:cNvPr id="3" name="内容占位符 2"/>
+          <p:cNvSpPr>
+            <a:spLocks noGrp="1"/>
+          </p:cNvSpPr>
+          <p:nvPr>
+            <p:ph idx="1"/>
+          </p:nvPr>
+        </p:nvSpPr>
+        <p:spPr/>
+        <p:txBody>
+          <a:bodyPr/>
+          <a:lstStyle/>
+          <a:p>
+            <a:pPr>
+              <a:buFont typeface="Wingdings" panose="05000000000000000000" pitchFamily="2" charset="2"/>
+              <a:buChar char="l"/>
+            </a:pPr>
+            <a:r>
+              <a:rPr lang="zh-CN" altLang="en-US" dirty="0" smtClean="0"/>
+              <a:t>接下来取出</a:t>
+            </a:r>
+            <a:r>
+              <a:rPr lang="zh-CN" altLang="en-US" dirty="0"/>
+              <a:t>服务返回的具体内容，可以调用</a:t>
+            </a:r>
+            <a:r>
+              <a:rPr lang="en-US" altLang="zh-CN" dirty="0" err="1"/>
+              <a:t>getEntity</a:t>
+            </a:r>
+            <a:r>
+              <a:rPr lang="en-US" altLang="zh-CN" dirty="0"/>
+              <a:t>()</a:t>
+            </a:r>
+            <a:r>
+              <a:rPr lang="zh-CN" altLang="en-US" dirty="0"/>
+              <a:t>方法获取到一个</a:t>
+            </a:r>
+            <a:r>
+              <a:rPr lang="en-US" altLang="zh-CN" dirty="0" err="1"/>
+              <a:t>HttpEntity</a:t>
+            </a:r>
+            <a:r>
+              <a:rPr lang="zh-CN" altLang="en-US" dirty="0"/>
+              <a:t>实例，然后再用</a:t>
+            </a:r>
+            <a:r>
+              <a:rPr lang="zh-CN" altLang="en-US" dirty="0"/>
+              <a:t/>
+            </a:r>
+            <a:br>
+              <a:rPr lang="zh-CN" altLang="en-US" dirty="0"/>
+            </a:br>
+            <a:r>
+              <a:rPr lang="en-US" altLang="zh-CN" dirty="0" err="1"/>
+              <a:t>EntityUtils.toString</a:t>
+            </a:r>
+            <a:r>
+              <a:rPr lang="en-US" altLang="zh-CN" dirty="0"/>
+              <a:t>()</a:t>
+            </a:r>
+            <a:r>
+              <a:rPr lang="zh-CN" altLang="en-US" dirty="0"/>
+              <a:t>这个静态方法将</a:t>
+            </a:r>
+            <a:r>
+              <a:rPr lang="en-US" altLang="zh-CN" dirty="0" err="1" smtClean="0"/>
+              <a:t>HttpEntity</a:t>
+            </a:r>
+            <a:r>
+              <a:rPr lang="zh-CN" altLang="en-US" dirty="0"/>
+              <a:t>转化成字符串即</a:t>
+            </a:r>
+            <a:r>
+              <a:rPr lang="zh-CN" altLang="en-US" dirty="0" smtClean="0"/>
+              <a:t>可</a:t>
+            </a:r>
+            <a:endParaRPr lang="en-US" altLang="zh-CN" dirty="0" smtClean="0"/>
+          </a:p>
+          <a:p>
+            <a:pPr marL="0" indent="0">
+              <a:buNone/>
+            </a:pPr>
+            <a:r>
+              <a:rPr lang="en-US" altLang="zh-CN" dirty="0" err="1"/>
+              <a:t>HttpEntity</a:t>
+            </a:r>
+            <a:r>
+              <a:rPr lang="en-US" altLang="zh-CN" dirty="0"/>
+              <a:t> entity=</a:t>
+            </a:r>
+            <a:r>
+              <a:rPr lang="en-US" altLang="zh-CN" dirty="0" err="1"/>
+              <a:t>httpResponse.getEntity</a:t>
+            </a:r>
+            <a:r>
+              <a:rPr lang="en-US" altLang="zh-CN" dirty="0"/>
+              <a:t>();</a:t>
+            </a:r>
+          </a:p>
+          <a:p>
+            <a:pPr marL="0" indent="0">
+              <a:buNone/>
+            </a:pPr>
+            <a:r>
+              <a:rPr lang="en-US" altLang="zh-CN" dirty="0"/>
+              <a:t>String response=</a:t>
+            </a:r>
+            <a:r>
+              <a:rPr lang="en-US" altLang="zh-CN" dirty="0" err="1"/>
+              <a:t>EntityUtils.toString</a:t>
+            </a:r>
+            <a:r>
+              <a:rPr lang="en-US" altLang="zh-CN" dirty="0"/>
+              <a:t>(entity</a:t>
+            </a:r>
+            <a:r>
+              <a:rPr lang="en-US" altLang="zh-CN" dirty="0" smtClean="0"/>
+              <a:t>);</a:t>
+            </a:r>
+          </a:p>
+          <a:p>
+            <a:pPr marL="0" indent="0">
+              <a:buNone/>
+            </a:pPr>
+            <a:r>
+              <a:rPr lang="zh-CN" altLang="en-US" dirty="0"/>
+              <a:t>注意如果服务器返回的数据是带中文的，直接调用</a:t>
+            </a:r>
+            <a:r>
+              <a:rPr lang="en-US" altLang="zh-CN" dirty="0" err="1"/>
+              <a:t>EntityUtils.toString</a:t>
+            </a:r>
+            <a:r>
+              <a:rPr lang="en-US" altLang="zh-CN" dirty="0"/>
+              <a:t>()</a:t>
+            </a:r>
+            <a:r>
+              <a:rPr lang="zh-CN" altLang="en-US" dirty="0"/>
+              <a:t>方法进行转换会有乱码的情况出现，这个时候</a:t>
+            </a:r>
+          </a:p>
+          <a:p>
+            <a:pPr marL="0" indent="0">
+              <a:buNone/>
+            </a:pPr>
+            <a:r>
+              <a:rPr lang="zh-CN" altLang="en-US" dirty="0"/>
+              <a:t>只需要在转换的时候将字符集指定成</a:t>
+            </a:r>
+            <a:r>
+              <a:rPr lang="en-US" altLang="zh-CN" dirty="0"/>
+              <a:t>utf-8</a:t>
+            </a:r>
+            <a:r>
+              <a:rPr lang="zh-CN" altLang="en-US" dirty="0"/>
+              <a:t>就可以了，如下所示：</a:t>
+            </a:r>
+          </a:p>
+          <a:p>
+            <a:pPr marL="0" indent="0">
+              <a:buNone/>
+            </a:pPr>
+            <a:r>
+              <a:rPr lang="en-US" altLang="zh-CN" dirty="0"/>
+              <a:t>String response=</a:t>
+            </a:r>
+            <a:r>
+              <a:rPr lang="en-US" altLang="zh-CN" dirty="0" err="1"/>
+              <a:t>EntityUtils.toString</a:t>
+            </a:r>
+            <a:r>
+              <a:rPr lang="en-US" altLang="zh-CN" dirty="0"/>
+              <a:t>(entity,"utf-8");</a:t>
+            </a:r>
+            <a:endParaRPr lang="zh-CN" altLang="en-US" dirty="0"/>
+          </a:p>
+        </p:txBody>
+      </p:sp>
+    </p:spTree>
+    <p:extLst>
+      <p:ext uri="{BB962C8B-B14F-4D97-AF65-F5344CB8AC3E}">
+        <p14:creationId xmlns:p14="http://schemas.microsoft.com/office/powerpoint/2010/main" val="3376164572"/>
       </p:ext>
     </p:extLst>
   </p:cSld>
